--- a/uzr_surfMD/pics.pptx
+++ b/uzr_surfMD/pics.pptx
@@ -268,7 +268,7 @@
           <a:p>
             <a:fld id="{31B5BC66-6795-F946-B1A3-7C9978AE323C}" type="datetimeFigureOut">
               <a:rPr lang="en-US" smtClean="0"/>
-              <a:t>7/29/19</a:t>
+              <a:t>11/26/19</a:t>
             </a:fld>
             <a:endParaRPr lang="en-US"/>
           </a:p>
@@ -466,7 +466,7 @@
           <a:p>
             <a:fld id="{31B5BC66-6795-F946-B1A3-7C9978AE323C}" type="datetimeFigureOut">
               <a:rPr lang="en-US" smtClean="0"/>
-              <a:t>7/29/19</a:t>
+              <a:t>11/26/19</a:t>
             </a:fld>
             <a:endParaRPr lang="en-US"/>
           </a:p>
@@ -674,7 +674,7 @@
           <a:p>
             <a:fld id="{31B5BC66-6795-F946-B1A3-7C9978AE323C}" type="datetimeFigureOut">
               <a:rPr lang="en-US" smtClean="0"/>
-              <a:t>7/29/19</a:t>
+              <a:t>11/26/19</a:t>
             </a:fld>
             <a:endParaRPr lang="en-US"/>
           </a:p>
@@ -872,7 +872,7 @@
           <a:p>
             <a:fld id="{31B5BC66-6795-F946-B1A3-7C9978AE323C}" type="datetimeFigureOut">
               <a:rPr lang="en-US" smtClean="0"/>
-              <a:t>7/29/19</a:t>
+              <a:t>11/26/19</a:t>
             </a:fld>
             <a:endParaRPr lang="en-US"/>
           </a:p>
@@ -1147,7 +1147,7 @@
           <a:p>
             <a:fld id="{31B5BC66-6795-F946-B1A3-7C9978AE323C}" type="datetimeFigureOut">
               <a:rPr lang="en-US" smtClean="0"/>
-              <a:t>7/29/19</a:t>
+              <a:t>11/26/19</a:t>
             </a:fld>
             <a:endParaRPr lang="en-US"/>
           </a:p>
@@ -1412,7 +1412,7 @@
           <a:p>
             <a:fld id="{31B5BC66-6795-F946-B1A3-7C9978AE323C}" type="datetimeFigureOut">
               <a:rPr lang="en-US" smtClean="0"/>
-              <a:t>7/29/19</a:t>
+              <a:t>11/26/19</a:t>
             </a:fld>
             <a:endParaRPr lang="en-US"/>
           </a:p>
@@ -1824,7 +1824,7 @@
           <a:p>
             <a:fld id="{31B5BC66-6795-F946-B1A3-7C9978AE323C}" type="datetimeFigureOut">
               <a:rPr lang="en-US" smtClean="0"/>
-              <a:t>7/29/19</a:t>
+              <a:t>11/26/19</a:t>
             </a:fld>
             <a:endParaRPr lang="en-US"/>
           </a:p>
@@ -1965,7 +1965,7 @@
           <a:p>
             <a:fld id="{31B5BC66-6795-F946-B1A3-7C9978AE323C}" type="datetimeFigureOut">
               <a:rPr lang="en-US" smtClean="0"/>
-              <a:t>7/29/19</a:t>
+              <a:t>11/26/19</a:t>
             </a:fld>
             <a:endParaRPr lang="en-US"/>
           </a:p>
@@ -2078,7 +2078,7 @@
           <a:p>
             <a:fld id="{31B5BC66-6795-F946-B1A3-7C9978AE323C}" type="datetimeFigureOut">
               <a:rPr lang="en-US" smtClean="0"/>
-              <a:t>7/29/19</a:t>
+              <a:t>11/26/19</a:t>
             </a:fld>
             <a:endParaRPr lang="en-US"/>
           </a:p>
@@ -2389,7 +2389,7 @@
           <a:p>
             <a:fld id="{31B5BC66-6795-F946-B1A3-7C9978AE323C}" type="datetimeFigureOut">
               <a:rPr lang="en-US" smtClean="0"/>
-              <a:t>7/29/19</a:t>
+              <a:t>11/26/19</a:t>
             </a:fld>
             <a:endParaRPr lang="en-US"/>
           </a:p>
@@ -2677,7 +2677,7 @@
           <a:p>
             <a:fld id="{31B5BC66-6795-F946-B1A3-7C9978AE323C}" type="datetimeFigureOut">
               <a:rPr lang="en-US" smtClean="0"/>
-              <a:t>7/29/19</a:t>
+              <a:t>11/26/19</a:t>
             </a:fld>
             <a:endParaRPr lang="en-US"/>
           </a:p>
@@ -2918,7 +2918,7 @@
           <a:p>
             <a:fld id="{31B5BC66-6795-F946-B1A3-7C9978AE323C}" type="datetimeFigureOut">
               <a:rPr lang="en-US" smtClean="0"/>
-              <a:t>7/29/19</a:t>
+              <a:t>11/26/19</a:t>
             </a:fld>
             <a:endParaRPr lang="en-US"/>
           </a:p>
@@ -3337,10 +3337,10 @@
       </p:grpSpPr>
       <p:pic>
         <p:nvPicPr>
-          <p:cNvPr id="4" name="Picture 3">
-            <a:extLst>
-              <a:ext uri="{FF2B5EF4-FFF2-40B4-BE49-F238E27FC236}">
-                <a16:creationId xmlns:a16="http://schemas.microsoft.com/office/drawing/2014/main" id="{0B9B3B83-5D36-CA47-8B85-D64D582A6DD5}"/>
+          <p:cNvPr id="6" name="Picture 5">
+            <a:extLst>
+              <a:ext uri="{FF2B5EF4-FFF2-40B4-BE49-F238E27FC236}">
+                <a16:creationId xmlns:a16="http://schemas.microsoft.com/office/drawing/2014/main" id="{016371F7-3076-0A46-827D-190069338030}"/>
               </a:ext>
             </a:extLst>
           </p:cNvPr>
@@ -3357,8 +3357,8 @@
         </p:blipFill>
         <p:spPr>
           <a:xfrm>
-            <a:off x="2791768" y="458385"/>
-            <a:ext cx="7316059" cy="5941229"/>
+            <a:off x="2374900" y="538630"/>
+            <a:ext cx="7315200" cy="5940532"/>
           </a:xfrm>
           <a:prstGeom prst="rect">
             <a:avLst/>
@@ -3457,10 +3457,10 @@
       </p:grpSpPr>
       <p:pic>
         <p:nvPicPr>
-          <p:cNvPr id="6" name="Picture 5">
-            <a:extLst>
-              <a:ext uri="{FF2B5EF4-FFF2-40B4-BE49-F238E27FC236}">
-                <a16:creationId xmlns:a16="http://schemas.microsoft.com/office/drawing/2014/main" id="{5C173975-20B7-BA44-B6F1-E5DED2B83689}"/>
+          <p:cNvPr id="2" name="Picture 1">
+            <a:extLst>
+              <a:ext uri="{FF2B5EF4-FFF2-40B4-BE49-F238E27FC236}">
+                <a16:creationId xmlns:a16="http://schemas.microsoft.com/office/drawing/2014/main" id="{A8083296-A47F-D543-B6BF-0ABBDA2DE737}"/>
               </a:ext>
             </a:extLst>
           </p:cNvPr>
@@ -3477,8 +3477,8 @@
         </p:blipFill>
         <p:spPr>
           <a:xfrm>
-            <a:off x="2471351" y="271614"/>
-            <a:ext cx="7469316" cy="6065686"/>
+            <a:off x="2383865" y="619312"/>
+            <a:ext cx="7315200" cy="5940532"/>
           </a:xfrm>
           <a:prstGeom prst="rect">
             <a:avLst/>
@@ -3517,10 +3517,10 @@
       </p:grpSpPr>
       <p:pic>
         <p:nvPicPr>
-          <p:cNvPr id="6" name="Picture 5">
-            <a:extLst>
-              <a:ext uri="{FF2B5EF4-FFF2-40B4-BE49-F238E27FC236}">
-                <a16:creationId xmlns:a16="http://schemas.microsoft.com/office/drawing/2014/main" id="{BCA9098B-8BBC-314C-99D6-503C98CD4269}"/>
+          <p:cNvPr id="4" name="Picture 3">
+            <a:extLst>
+              <a:ext uri="{FF2B5EF4-FFF2-40B4-BE49-F238E27FC236}">
+                <a16:creationId xmlns:a16="http://schemas.microsoft.com/office/drawing/2014/main" id="{950C035F-706F-8F4F-A7BE-E2FF9C140776}"/>
               </a:ext>
             </a:extLst>
           </p:cNvPr>
@@ -3537,8 +3537,8 @@
         </p:blipFill>
         <p:spPr>
           <a:xfrm>
-            <a:off x="2484909" y="336382"/>
-            <a:ext cx="7222182" cy="5864994"/>
+            <a:off x="2554941" y="395079"/>
+            <a:ext cx="7315200" cy="5940532"/>
           </a:xfrm>
           <a:prstGeom prst="rect">
             <a:avLst/>
@@ -3637,10 +3637,10 @@
       </p:grpSpPr>
       <p:pic>
         <p:nvPicPr>
-          <p:cNvPr id="6" name="Picture 5">
-            <a:extLst>
-              <a:ext uri="{FF2B5EF4-FFF2-40B4-BE49-F238E27FC236}">
-                <a16:creationId xmlns:a16="http://schemas.microsoft.com/office/drawing/2014/main" id="{4A9B4479-EA31-454D-B35D-692AB16FECB0}"/>
+          <p:cNvPr id="5" name="Picture 4">
+            <a:extLst>
+              <a:ext uri="{FF2B5EF4-FFF2-40B4-BE49-F238E27FC236}">
+                <a16:creationId xmlns:a16="http://schemas.microsoft.com/office/drawing/2014/main" id="{B9A3410C-EBC1-6F49-A5A4-EC89EB46A85F}"/>
               </a:ext>
             </a:extLst>
           </p:cNvPr>
@@ -3657,8 +3657,8 @@
         </p:blipFill>
         <p:spPr>
           <a:xfrm>
-            <a:off x="2872409" y="631466"/>
-            <a:ext cx="6993834" cy="5595067"/>
+            <a:off x="2079812" y="497542"/>
+            <a:ext cx="7315200" cy="5852160"/>
           </a:xfrm>
           <a:prstGeom prst="rect">
             <a:avLst/>
@@ -3697,10 +3697,10 @@
       </p:grpSpPr>
       <p:pic>
         <p:nvPicPr>
-          <p:cNvPr id="3" name="Picture 2">
-            <a:extLst>
-              <a:ext uri="{FF2B5EF4-FFF2-40B4-BE49-F238E27FC236}">
-                <a16:creationId xmlns:a16="http://schemas.microsoft.com/office/drawing/2014/main" id="{AEF45DED-D510-B541-AE55-5A65C41DCEE2}"/>
+          <p:cNvPr id="2" name="Picture 1">
+            <a:extLst>
+              <a:ext uri="{FF2B5EF4-FFF2-40B4-BE49-F238E27FC236}">
+                <a16:creationId xmlns:a16="http://schemas.microsoft.com/office/drawing/2014/main" id="{66708C8E-ED6A-B847-8297-E39F7DA4DB13}"/>
               </a:ext>
             </a:extLst>
           </p:cNvPr>
@@ -3717,8 +3717,8 @@
         </p:blipFill>
         <p:spPr>
           <a:xfrm>
-            <a:off x="2619633" y="521043"/>
-            <a:ext cx="7269892" cy="5815914"/>
+            <a:off x="2528047" y="398931"/>
+            <a:ext cx="7315200" cy="5852160"/>
           </a:xfrm>
           <a:prstGeom prst="rect">
             <a:avLst/>

--- a/uzr_surfMD/pics.pptx
+++ b/uzr_surfMD/pics.pptx
@@ -11,10 +11,13 @@
     <p:sldId id="263" r:id="rId5"/>
     <p:sldId id="264" r:id="rId6"/>
     <p:sldId id="265" r:id="rId7"/>
-    <p:sldId id="266" r:id="rId8"/>
-    <p:sldId id="260" r:id="rId9"/>
-    <p:sldId id="261" r:id="rId10"/>
-    <p:sldId id="262" r:id="rId11"/>
+    <p:sldId id="268" r:id="rId8"/>
+    <p:sldId id="267" r:id="rId9"/>
+    <p:sldId id="269" r:id="rId10"/>
+    <p:sldId id="266" r:id="rId11"/>
+    <p:sldId id="260" r:id="rId12"/>
+    <p:sldId id="261" r:id="rId13"/>
+    <p:sldId id="262" r:id="rId14"/>
   </p:sldIdLst>
   <p:sldSz cx="12192000" cy="6858000"/>
   <p:notesSz cx="6858000" cy="9144000"/>
@@ -3397,6 +3400,186 @@
       </p:grpSpPr>
       <p:pic>
         <p:nvPicPr>
+          <p:cNvPr id="9" name="Picture 8">
+            <a:extLst>
+              <a:ext uri="{FF2B5EF4-FFF2-40B4-BE49-F238E27FC236}">
+                <a16:creationId xmlns:a16="http://schemas.microsoft.com/office/drawing/2014/main" id="{4C56DE88-13DC-2846-B6AD-FC8F1AC1D169}"/>
+              </a:ext>
+            </a:extLst>
+          </p:cNvPr>
+          <p:cNvPicPr>
+            <a:picLocks noChangeAspect="1"/>
+          </p:cNvPicPr>
+          <p:nvPr/>
+        </p:nvPicPr>
+        <p:blipFill>
+          <a:blip r:embed="rId2"/>
+          <a:stretch>
+            <a:fillRect/>
+          </a:stretch>
+        </p:blipFill>
+        <p:spPr>
+          <a:xfrm>
+            <a:off x="2509280" y="621110"/>
+            <a:ext cx="7173440" cy="5615779"/>
+          </a:xfrm>
+          <a:prstGeom prst="rect">
+            <a:avLst/>
+          </a:prstGeom>
+        </p:spPr>
+      </p:pic>
+    </p:spTree>
+    <p:extLst>
+      <p:ext uri="{BB962C8B-B14F-4D97-AF65-F5344CB8AC3E}">
+        <p14:creationId xmlns:p14="http://schemas.microsoft.com/office/powerpoint/2010/main" val="3405334481"/>
+      </p:ext>
+    </p:extLst>
+  </p:cSld>
+  <p:clrMapOvr>
+    <a:masterClrMapping/>
+  </p:clrMapOvr>
+</p:sld>
+</file>
+
+<file path=ppt/slides/slide11.xml><?xml version="1.0" encoding="utf-8"?>
+<p:sld xmlns:a="http://schemas.openxmlformats.org/drawingml/2006/main" xmlns:r="http://schemas.openxmlformats.org/officeDocument/2006/relationships" xmlns:p="http://schemas.openxmlformats.org/presentationml/2006/main">
+  <p:cSld>
+    <p:spTree>
+      <p:nvGrpSpPr>
+        <p:cNvPr id="1" name=""/>
+        <p:cNvGrpSpPr/>
+        <p:nvPr/>
+      </p:nvGrpSpPr>
+      <p:grpSpPr>
+        <a:xfrm>
+          <a:off x="0" y="0"/>
+          <a:ext cx="0" cy="0"/>
+          <a:chOff x="0" y="0"/>
+          <a:chExt cx="0" cy="0"/>
+        </a:xfrm>
+      </p:grpSpPr>
+      <p:pic>
+        <p:nvPicPr>
+          <p:cNvPr id="7" name="Picture 6">
+            <a:extLst>
+              <a:ext uri="{FF2B5EF4-FFF2-40B4-BE49-F238E27FC236}">
+                <a16:creationId xmlns:a16="http://schemas.microsoft.com/office/drawing/2014/main" id="{998EAC21-FA1D-AD45-B1EF-E7969B0305AA}"/>
+              </a:ext>
+            </a:extLst>
+          </p:cNvPr>
+          <p:cNvPicPr>
+            <a:picLocks noChangeAspect="1"/>
+          </p:cNvPicPr>
+          <p:nvPr/>
+        </p:nvPicPr>
+        <p:blipFill>
+          <a:blip r:embed="rId2"/>
+          <a:stretch>
+            <a:fillRect/>
+          </a:stretch>
+        </p:blipFill>
+        <p:spPr>
+          <a:xfrm>
+            <a:off x="2932042" y="675124"/>
+            <a:ext cx="6858000" cy="5334000"/>
+          </a:xfrm>
+          <a:prstGeom prst="rect">
+            <a:avLst/>
+          </a:prstGeom>
+        </p:spPr>
+      </p:pic>
+    </p:spTree>
+    <p:extLst>
+      <p:ext uri="{BB962C8B-B14F-4D97-AF65-F5344CB8AC3E}">
+        <p14:creationId xmlns:p14="http://schemas.microsoft.com/office/powerpoint/2010/main" val="1093436750"/>
+      </p:ext>
+    </p:extLst>
+  </p:cSld>
+  <p:clrMapOvr>
+    <a:masterClrMapping/>
+  </p:clrMapOvr>
+</p:sld>
+</file>
+
+<file path=ppt/slides/slide12.xml><?xml version="1.0" encoding="utf-8"?>
+<p:sld xmlns:a="http://schemas.openxmlformats.org/drawingml/2006/main" xmlns:r="http://schemas.openxmlformats.org/officeDocument/2006/relationships" xmlns:p="http://schemas.openxmlformats.org/presentationml/2006/main">
+  <p:cSld>
+    <p:spTree>
+      <p:nvGrpSpPr>
+        <p:cNvPr id="1" name=""/>
+        <p:cNvGrpSpPr/>
+        <p:nvPr/>
+      </p:nvGrpSpPr>
+      <p:grpSpPr>
+        <a:xfrm>
+          <a:off x="0" y="0"/>
+          <a:ext cx="0" cy="0"/>
+          <a:chOff x="0" y="0"/>
+          <a:chExt cx="0" cy="0"/>
+        </a:xfrm>
+      </p:grpSpPr>
+      <p:pic>
+        <p:nvPicPr>
+          <p:cNvPr id="5" name="Picture 4">
+            <a:extLst>
+              <a:ext uri="{FF2B5EF4-FFF2-40B4-BE49-F238E27FC236}">
+                <a16:creationId xmlns:a16="http://schemas.microsoft.com/office/drawing/2014/main" id="{CDC015C6-2927-A24C-9768-A669DCE6D92F}"/>
+              </a:ext>
+            </a:extLst>
+          </p:cNvPr>
+          <p:cNvPicPr>
+            <a:picLocks noChangeAspect="1"/>
+          </p:cNvPicPr>
+          <p:nvPr/>
+        </p:nvPicPr>
+        <p:blipFill>
+          <a:blip r:embed="rId2"/>
+          <a:stretch>
+            <a:fillRect/>
+          </a:stretch>
+        </p:blipFill>
+        <p:spPr>
+          <a:xfrm>
+            <a:off x="2779644" y="659296"/>
+            <a:ext cx="6858000" cy="5334000"/>
+          </a:xfrm>
+          <a:prstGeom prst="rect">
+            <a:avLst/>
+          </a:prstGeom>
+        </p:spPr>
+      </p:pic>
+    </p:spTree>
+    <p:extLst>
+      <p:ext uri="{BB962C8B-B14F-4D97-AF65-F5344CB8AC3E}">
+        <p14:creationId xmlns:p14="http://schemas.microsoft.com/office/powerpoint/2010/main" val="102039719"/>
+      </p:ext>
+    </p:extLst>
+  </p:cSld>
+  <p:clrMapOvr>
+    <a:masterClrMapping/>
+  </p:clrMapOvr>
+</p:sld>
+</file>
+
+<file path=ppt/slides/slide13.xml><?xml version="1.0" encoding="utf-8"?>
+<p:sld xmlns:a="http://schemas.openxmlformats.org/drawingml/2006/main" xmlns:r="http://schemas.openxmlformats.org/officeDocument/2006/relationships" xmlns:p="http://schemas.openxmlformats.org/presentationml/2006/main">
+  <p:cSld>
+    <p:spTree>
+      <p:nvGrpSpPr>
+        <p:cNvPr id="1" name=""/>
+        <p:cNvGrpSpPr/>
+        <p:nvPr/>
+      </p:nvGrpSpPr>
+      <p:grpSpPr>
+        <a:xfrm>
+          <a:off x="0" y="0"/>
+          <a:ext cx="0" cy="0"/>
+          <a:chOff x="0" y="0"/>
+          <a:chExt cx="0" cy="0"/>
+        </a:xfrm>
+      </p:grpSpPr>
+      <p:pic>
+        <p:nvPicPr>
           <p:cNvPr id="4" name="Picture 3">
             <a:extLst>
               <a:ext uri="{FF2B5EF4-FFF2-40B4-BE49-F238E27FC236}">
@@ -3757,10 +3940,10 @@
       </p:grpSpPr>
       <p:pic>
         <p:nvPicPr>
-          <p:cNvPr id="9" name="Picture 8">
-            <a:extLst>
-              <a:ext uri="{FF2B5EF4-FFF2-40B4-BE49-F238E27FC236}">
-                <a16:creationId xmlns:a16="http://schemas.microsoft.com/office/drawing/2014/main" id="{4C56DE88-13DC-2846-B6AD-FC8F1AC1D169}"/>
+          <p:cNvPr id="4" name="Picture 3">
+            <a:extLst>
+              <a:ext uri="{FF2B5EF4-FFF2-40B4-BE49-F238E27FC236}">
+                <a16:creationId xmlns:a16="http://schemas.microsoft.com/office/drawing/2014/main" id="{9F72C32E-3DF0-C543-BF2E-95F628C03996}"/>
               </a:ext>
             </a:extLst>
           </p:cNvPr>
@@ -3777,8 +3960,8 @@
         </p:blipFill>
         <p:spPr>
           <a:xfrm>
-            <a:off x="2509280" y="621110"/>
-            <a:ext cx="7173440" cy="5615779"/>
+            <a:off x="2766350" y="685469"/>
+            <a:ext cx="6630525" cy="5418086"/>
           </a:xfrm>
           <a:prstGeom prst="rect">
             <a:avLst/>
@@ -3788,7 +3971,7 @@
     </p:spTree>
     <p:extLst>
       <p:ext uri="{BB962C8B-B14F-4D97-AF65-F5344CB8AC3E}">
-        <p14:creationId xmlns:p14="http://schemas.microsoft.com/office/powerpoint/2010/main" val="3405334481"/>
+        <p14:creationId xmlns:p14="http://schemas.microsoft.com/office/powerpoint/2010/main" val="2382160262"/>
       </p:ext>
     </p:extLst>
   </p:cSld>
@@ -3817,10 +4000,10 @@
       </p:grpSpPr>
       <p:pic>
         <p:nvPicPr>
-          <p:cNvPr id="7" name="Picture 6">
-            <a:extLst>
-              <a:ext uri="{FF2B5EF4-FFF2-40B4-BE49-F238E27FC236}">
-                <a16:creationId xmlns:a16="http://schemas.microsoft.com/office/drawing/2014/main" id="{998EAC21-FA1D-AD45-B1EF-E7969B0305AA}"/>
+          <p:cNvPr id="4" name="Picture 3">
+            <a:extLst>
+              <a:ext uri="{FF2B5EF4-FFF2-40B4-BE49-F238E27FC236}">
+                <a16:creationId xmlns:a16="http://schemas.microsoft.com/office/drawing/2014/main" id="{8CCE7EFA-2EA5-0E44-9B6C-61B223C3CB5C}"/>
               </a:ext>
             </a:extLst>
           </p:cNvPr>
@@ -3837,8 +4020,8 @@
         </p:blipFill>
         <p:spPr>
           <a:xfrm>
-            <a:off x="2932042" y="675124"/>
-            <a:ext cx="6858000" cy="5334000"/>
+            <a:off x="2650602" y="788814"/>
+            <a:ext cx="6485681" cy="5188545"/>
           </a:xfrm>
           <a:prstGeom prst="rect">
             <a:avLst/>
@@ -3848,7 +4031,7 @@
     </p:spTree>
     <p:extLst>
       <p:ext uri="{BB962C8B-B14F-4D97-AF65-F5344CB8AC3E}">
-        <p14:creationId xmlns:p14="http://schemas.microsoft.com/office/powerpoint/2010/main" val="1093436750"/>
+        <p14:creationId xmlns:p14="http://schemas.microsoft.com/office/powerpoint/2010/main" val="3982836211"/>
       </p:ext>
     </p:extLst>
   </p:cSld>
@@ -3877,10 +4060,10 @@
       </p:grpSpPr>
       <p:pic>
         <p:nvPicPr>
-          <p:cNvPr id="5" name="Picture 4">
-            <a:extLst>
-              <a:ext uri="{FF2B5EF4-FFF2-40B4-BE49-F238E27FC236}">
-                <a16:creationId xmlns:a16="http://schemas.microsoft.com/office/drawing/2014/main" id="{CDC015C6-2927-A24C-9768-A669DCE6D92F}"/>
+          <p:cNvPr id="4" name="Picture 3">
+            <a:extLst>
+              <a:ext uri="{FF2B5EF4-FFF2-40B4-BE49-F238E27FC236}">
+                <a16:creationId xmlns:a16="http://schemas.microsoft.com/office/drawing/2014/main" id="{81FAAE7A-CF68-9F4C-8B86-DDF35E78EE54}"/>
               </a:ext>
             </a:extLst>
           </p:cNvPr>
@@ -3897,8 +4080,8 @@
         </p:blipFill>
         <p:spPr>
           <a:xfrm>
-            <a:off x="2779644" y="659296"/>
-            <a:ext cx="6858000" cy="5334000"/>
+            <a:off x="2951544" y="668437"/>
+            <a:ext cx="6404659" cy="5123727"/>
           </a:xfrm>
           <a:prstGeom prst="rect">
             <a:avLst/>
@@ -3908,7 +4091,7 @@
     </p:spTree>
     <p:extLst>
       <p:ext uri="{BB962C8B-B14F-4D97-AF65-F5344CB8AC3E}">
-        <p14:creationId xmlns:p14="http://schemas.microsoft.com/office/powerpoint/2010/main" val="102039719"/>
+        <p14:creationId xmlns:p14="http://schemas.microsoft.com/office/powerpoint/2010/main" val="3418503968"/>
       </p:ext>
     </p:extLst>
   </p:cSld>

--- a/uzr_surfMD/pics.pptx
+++ b/uzr_surfMD/pics.pptx
@@ -13,11 +13,10 @@
     <p:sldId id="265" r:id="rId7"/>
     <p:sldId id="268" r:id="rId8"/>
     <p:sldId id="267" r:id="rId9"/>
-    <p:sldId id="269" r:id="rId10"/>
-    <p:sldId id="266" r:id="rId11"/>
-    <p:sldId id="260" r:id="rId12"/>
-    <p:sldId id="261" r:id="rId13"/>
-    <p:sldId id="262" r:id="rId14"/>
+    <p:sldId id="266" r:id="rId10"/>
+    <p:sldId id="260" r:id="rId11"/>
+    <p:sldId id="261" r:id="rId12"/>
+    <p:sldId id="262" r:id="rId13"/>
   </p:sldIdLst>
   <p:sldSz cx="12192000" cy="6858000"/>
   <p:notesSz cx="6858000" cy="9144000"/>
@@ -3400,66 +3399,6 @@
       </p:grpSpPr>
       <p:pic>
         <p:nvPicPr>
-          <p:cNvPr id="9" name="Picture 8">
-            <a:extLst>
-              <a:ext uri="{FF2B5EF4-FFF2-40B4-BE49-F238E27FC236}">
-                <a16:creationId xmlns:a16="http://schemas.microsoft.com/office/drawing/2014/main" id="{4C56DE88-13DC-2846-B6AD-FC8F1AC1D169}"/>
-              </a:ext>
-            </a:extLst>
-          </p:cNvPr>
-          <p:cNvPicPr>
-            <a:picLocks noChangeAspect="1"/>
-          </p:cNvPicPr>
-          <p:nvPr/>
-        </p:nvPicPr>
-        <p:blipFill>
-          <a:blip r:embed="rId2"/>
-          <a:stretch>
-            <a:fillRect/>
-          </a:stretch>
-        </p:blipFill>
-        <p:spPr>
-          <a:xfrm>
-            <a:off x="2509280" y="621110"/>
-            <a:ext cx="7173440" cy="5615779"/>
-          </a:xfrm>
-          <a:prstGeom prst="rect">
-            <a:avLst/>
-          </a:prstGeom>
-        </p:spPr>
-      </p:pic>
-    </p:spTree>
-    <p:extLst>
-      <p:ext uri="{BB962C8B-B14F-4D97-AF65-F5344CB8AC3E}">
-        <p14:creationId xmlns:p14="http://schemas.microsoft.com/office/powerpoint/2010/main" val="3405334481"/>
-      </p:ext>
-    </p:extLst>
-  </p:cSld>
-  <p:clrMapOvr>
-    <a:masterClrMapping/>
-  </p:clrMapOvr>
-</p:sld>
-</file>
-
-<file path=ppt/slides/slide11.xml><?xml version="1.0" encoding="utf-8"?>
-<p:sld xmlns:a="http://schemas.openxmlformats.org/drawingml/2006/main" xmlns:r="http://schemas.openxmlformats.org/officeDocument/2006/relationships" xmlns:p="http://schemas.openxmlformats.org/presentationml/2006/main">
-  <p:cSld>
-    <p:spTree>
-      <p:nvGrpSpPr>
-        <p:cNvPr id="1" name=""/>
-        <p:cNvGrpSpPr/>
-        <p:nvPr/>
-      </p:nvGrpSpPr>
-      <p:grpSpPr>
-        <a:xfrm>
-          <a:off x="0" y="0"/>
-          <a:ext cx="0" cy="0"/>
-          <a:chOff x="0" y="0"/>
-          <a:chExt cx="0" cy="0"/>
-        </a:xfrm>
-      </p:grpSpPr>
-      <p:pic>
-        <p:nvPicPr>
           <p:cNvPr id="7" name="Picture 6">
             <a:extLst>
               <a:ext uri="{FF2B5EF4-FFF2-40B4-BE49-F238E27FC236}">
@@ -3501,7 +3440,7 @@
 </p:sld>
 </file>
 
-<file path=ppt/slides/slide12.xml><?xml version="1.0" encoding="utf-8"?>
+<file path=ppt/slides/slide11.xml><?xml version="1.0" encoding="utf-8"?>
 <p:sld xmlns:a="http://schemas.openxmlformats.org/drawingml/2006/main" xmlns:r="http://schemas.openxmlformats.org/officeDocument/2006/relationships" xmlns:p="http://schemas.openxmlformats.org/presentationml/2006/main">
   <p:cSld>
     <p:spTree>
@@ -3561,7 +3500,7 @@
 </p:sld>
 </file>
 
-<file path=ppt/slides/slide13.xml><?xml version="1.0" encoding="utf-8"?>
+<file path=ppt/slides/slide12.xml><?xml version="1.0" encoding="utf-8"?>
 <p:sld xmlns:a="http://schemas.openxmlformats.org/drawingml/2006/main" xmlns:r="http://schemas.openxmlformats.org/officeDocument/2006/relationships" xmlns:p="http://schemas.openxmlformats.org/presentationml/2006/main">
   <p:cSld>
     <p:spTree>
@@ -4000,10 +3939,10 @@
       </p:grpSpPr>
       <p:pic>
         <p:nvPicPr>
-          <p:cNvPr id="4" name="Picture 3">
-            <a:extLst>
-              <a:ext uri="{FF2B5EF4-FFF2-40B4-BE49-F238E27FC236}">
-                <a16:creationId xmlns:a16="http://schemas.microsoft.com/office/drawing/2014/main" id="{8CCE7EFA-2EA5-0E44-9B6C-61B223C3CB5C}"/>
+          <p:cNvPr id="7" name="Picture 6">
+            <a:extLst>
+              <a:ext uri="{FF2B5EF4-FFF2-40B4-BE49-F238E27FC236}">
+                <a16:creationId xmlns:a16="http://schemas.microsoft.com/office/drawing/2014/main" id="{BC2FE779-FB7D-8147-B779-78DB770FF6E3}"/>
               </a:ext>
             </a:extLst>
           </p:cNvPr>
@@ -4020,8 +3959,8 @@
         </p:blipFill>
         <p:spPr>
           <a:xfrm>
-            <a:off x="2650602" y="788814"/>
-            <a:ext cx="6485681" cy="5188545"/>
+            <a:off x="2928395" y="573526"/>
+            <a:ext cx="6971816" cy="5577453"/>
           </a:xfrm>
           <a:prstGeom prst="rect">
             <a:avLst/>
@@ -4060,10 +3999,10 @@
       </p:grpSpPr>
       <p:pic>
         <p:nvPicPr>
-          <p:cNvPr id="4" name="Picture 3">
-            <a:extLst>
-              <a:ext uri="{FF2B5EF4-FFF2-40B4-BE49-F238E27FC236}">
-                <a16:creationId xmlns:a16="http://schemas.microsoft.com/office/drawing/2014/main" id="{81FAAE7A-CF68-9F4C-8B86-DDF35E78EE54}"/>
+          <p:cNvPr id="2" name="Picture 1">
+            <a:extLst>
+              <a:ext uri="{FF2B5EF4-FFF2-40B4-BE49-F238E27FC236}">
+                <a16:creationId xmlns:a16="http://schemas.microsoft.com/office/drawing/2014/main" id="{C9E023F0-DEBC-F24D-AE70-5C0F2FC045B0}"/>
               </a:ext>
             </a:extLst>
           </p:cNvPr>
@@ -4080,8 +4019,8 @@
         </p:blipFill>
         <p:spPr>
           <a:xfrm>
-            <a:off x="2951544" y="668437"/>
-            <a:ext cx="6404659" cy="5123727"/>
+            <a:off x="2558005" y="553657"/>
+            <a:ext cx="7151386" cy="5618946"/>
           </a:xfrm>
           <a:prstGeom prst="rect">
             <a:avLst/>
@@ -4091,7 +4030,7 @@
     </p:spTree>
     <p:extLst>
       <p:ext uri="{BB962C8B-B14F-4D97-AF65-F5344CB8AC3E}">
-        <p14:creationId xmlns:p14="http://schemas.microsoft.com/office/powerpoint/2010/main" val="3418503968"/>
+        <p14:creationId xmlns:p14="http://schemas.microsoft.com/office/powerpoint/2010/main" val="3405334481"/>
       </p:ext>
     </p:extLst>
   </p:cSld>
